--- a/Presentation_ChuckNorrisFacts.pptx
+++ b/Presentation_ChuckNorrisFacts.pptx
@@ -7,8 +7,10 @@
   <p:sldIdLst>
     <p:sldId id="256" r:id="rId2"/>
     <p:sldId id="257" r:id="rId3"/>
-    <p:sldId id="258" r:id="rId4"/>
-    <p:sldId id="259" r:id="rId5"/>
+    <p:sldId id="261" r:id="rId4"/>
+    <p:sldId id="258" r:id="rId5"/>
+    <p:sldId id="259" r:id="rId6"/>
+    <p:sldId id="260" r:id="rId7"/>
   </p:sldIdLst>
   <p:sldSz cx="9144000" cy="6858000" type="screen4x3"/>
   <p:notesSz cx="6858000" cy="9144000"/>
@@ -291,7 +293,7 @@
           <a:p>
             <a:fld id="{1BA50D42-C9CD-4801-B293-61D1F53EC57E}" type="datetimeFigureOut">
               <a:rPr lang="de-DE" smtClean="0"/>
-              <a:t>24.05.2013</a:t>
+              <a:t>30.05.2013</a:t>
             </a:fld>
             <a:endParaRPr lang="de-DE"/>
           </a:p>
@@ -456,7 +458,7 @@
           <a:p>
             <a:fld id="{1BA50D42-C9CD-4801-B293-61D1F53EC57E}" type="datetimeFigureOut">
               <a:rPr lang="de-DE" smtClean="0"/>
-              <a:t>24.05.2013</a:t>
+              <a:t>30.05.2013</a:t>
             </a:fld>
             <a:endParaRPr lang="de-DE"/>
           </a:p>
@@ -631,7 +633,7 @@
           <a:p>
             <a:fld id="{1BA50D42-C9CD-4801-B293-61D1F53EC57E}" type="datetimeFigureOut">
               <a:rPr lang="de-DE" smtClean="0"/>
-              <a:t>24.05.2013</a:t>
+              <a:t>30.05.2013</a:t>
             </a:fld>
             <a:endParaRPr lang="de-DE"/>
           </a:p>
@@ -796,7 +798,7 @@
           <a:p>
             <a:fld id="{1BA50D42-C9CD-4801-B293-61D1F53EC57E}" type="datetimeFigureOut">
               <a:rPr lang="de-DE" smtClean="0"/>
-              <a:t>24.05.2013</a:t>
+              <a:t>30.05.2013</a:t>
             </a:fld>
             <a:endParaRPr lang="de-DE"/>
           </a:p>
@@ -1037,7 +1039,7 @@
           <a:p>
             <a:fld id="{1BA50D42-C9CD-4801-B293-61D1F53EC57E}" type="datetimeFigureOut">
               <a:rPr lang="de-DE" smtClean="0"/>
-              <a:t>24.05.2013</a:t>
+              <a:t>30.05.2013</a:t>
             </a:fld>
             <a:endParaRPr lang="de-DE"/>
           </a:p>
@@ -1320,7 +1322,7 @@
           <a:p>
             <a:fld id="{1BA50D42-C9CD-4801-B293-61D1F53EC57E}" type="datetimeFigureOut">
               <a:rPr lang="de-DE" smtClean="0"/>
-              <a:t>24.05.2013</a:t>
+              <a:t>30.05.2013</a:t>
             </a:fld>
             <a:endParaRPr lang="de-DE"/>
           </a:p>
@@ -1737,7 +1739,7 @@
           <a:p>
             <a:fld id="{1BA50D42-C9CD-4801-B293-61D1F53EC57E}" type="datetimeFigureOut">
               <a:rPr lang="de-DE" smtClean="0"/>
-              <a:t>24.05.2013</a:t>
+              <a:t>30.05.2013</a:t>
             </a:fld>
             <a:endParaRPr lang="de-DE"/>
           </a:p>
@@ -1850,7 +1852,7 @@
           <a:p>
             <a:fld id="{1BA50D42-C9CD-4801-B293-61D1F53EC57E}" type="datetimeFigureOut">
               <a:rPr lang="de-DE" smtClean="0"/>
-              <a:t>24.05.2013</a:t>
+              <a:t>30.05.2013</a:t>
             </a:fld>
             <a:endParaRPr lang="de-DE"/>
           </a:p>
@@ -1940,7 +1942,7 @@
           <a:p>
             <a:fld id="{1BA50D42-C9CD-4801-B293-61D1F53EC57E}" type="datetimeFigureOut">
               <a:rPr lang="de-DE" smtClean="0"/>
-              <a:t>24.05.2013</a:t>
+              <a:t>30.05.2013</a:t>
             </a:fld>
             <a:endParaRPr lang="de-DE"/>
           </a:p>
@@ -2212,7 +2214,7 @@
           <a:p>
             <a:fld id="{1BA50D42-C9CD-4801-B293-61D1F53EC57E}" type="datetimeFigureOut">
               <a:rPr lang="de-DE" smtClean="0"/>
-              <a:t>24.05.2013</a:t>
+              <a:t>30.05.2013</a:t>
             </a:fld>
             <a:endParaRPr lang="de-DE"/>
           </a:p>
@@ -2460,7 +2462,7 @@
           <a:p>
             <a:fld id="{1BA50D42-C9CD-4801-B293-61D1F53EC57E}" type="datetimeFigureOut">
               <a:rPr lang="de-DE" smtClean="0"/>
-              <a:t>24.05.2013</a:t>
+              <a:t>30.05.2013</a:t>
             </a:fld>
             <a:endParaRPr lang="de-DE"/>
           </a:p>
@@ -2668,7 +2670,7 @@
           <a:p>
             <a:fld id="{1BA50D42-C9CD-4801-B293-61D1F53EC57E}" type="datetimeFigureOut">
               <a:rPr lang="de-DE" smtClean="0"/>
-              <a:t>24.05.2013</a:t>
+              <a:t>30.05.2013</a:t>
             </a:fld>
             <a:endParaRPr lang="de-DE"/>
           </a:p>
@@ -3226,7 +3228,7 @@
             <a:pPr lvl="1"/>
             <a:r>
               <a:rPr lang="de-CH" dirty="0" smtClean="0"/>
-              <a:t>Einfaches App um den (Studien)-Alltag etwas humorvoller zu gestalten</a:t>
+              <a:t>Einfaches App um den Alltag etwas humorvoller zu gestalten</a:t>
             </a:r>
             <a:br>
               <a:rPr lang="de-CH" dirty="0" smtClean="0"/>
@@ -3249,36 +3251,6 @@
           </a:p>
         </p:txBody>
       </p:sp>
-      <p:pic>
-        <p:nvPicPr>
-          <p:cNvPr id="4" name="Grafik 3"/>
-          <p:cNvPicPr>
-            <a:picLocks noChangeAspect="1"/>
-          </p:cNvPicPr>
-          <p:nvPr/>
-        </p:nvPicPr>
-        <p:blipFill>
-          <a:blip r:embed="rId2">
-            <a:extLst>
-              <a:ext uri="{28A0092B-C50C-407E-A947-70E740481C1C}">
-                <a14:useLocalDpi xmlns:a14="http://schemas.microsoft.com/office/drawing/2010/main" val="0"/>
-              </a:ext>
-            </a:extLst>
-          </a:blip>
-          <a:stretch>
-            <a:fillRect/>
-          </a:stretch>
-        </p:blipFill>
-        <p:spPr>
-          <a:xfrm>
-            <a:off x="7615022" y="4937760"/>
-            <a:ext cx="1524000" cy="1920240"/>
-          </a:xfrm>
-          <a:prstGeom prst="rect">
-            <a:avLst/>
-          </a:prstGeom>
-        </p:spPr>
-      </p:pic>
     </p:spTree>
     <p:extLst>
       <p:ext uri="{BB962C8B-B14F-4D97-AF65-F5344CB8AC3E}">
@@ -3333,7 +3305,7 @@
           <a:p>
             <a:r>
               <a:rPr lang="de-CH" dirty="0" smtClean="0"/>
-              <a:t>Feature-Liste</a:t>
+              <a:t>Features</a:t>
             </a:r>
             <a:endParaRPr lang="de-CH" dirty="0"/>
           </a:p>
@@ -3351,14 +3323,180 @@
         </p:nvSpPr>
         <p:spPr/>
         <p:txBody>
+          <a:bodyPr/>
+          <a:lstStyle/>
+          <a:p>
+            <a:r>
+              <a:rPr lang="de-CH" dirty="0" smtClean="0"/>
+              <a:t>Fact </a:t>
+            </a:r>
+            <a:r>
+              <a:rPr lang="de-CH" dirty="0" err="1" smtClean="0"/>
+              <a:t>of</a:t>
+            </a:r>
+            <a:r>
+              <a:rPr lang="de-CH" dirty="0" smtClean="0"/>
+              <a:t> </a:t>
+            </a:r>
+            <a:r>
+              <a:rPr lang="de-CH" dirty="0" err="1" smtClean="0"/>
+              <a:t>the</a:t>
+            </a:r>
+            <a:r>
+              <a:rPr lang="de-CH" dirty="0" smtClean="0"/>
+              <a:t> </a:t>
+            </a:r>
+            <a:r>
+              <a:rPr lang="de-CH" dirty="0" err="1" smtClean="0"/>
+              <a:t>day</a:t>
+            </a:r>
+            <a:endParaRPr lang="de-CH" dirty="0" smtClean="0"/>
+          </a:p>
+          <a:p>
+            <a:endParaRPr lang="de-CH" dirty="0"/>
+          </a:p>
+          <a:p>
+            <a:r>
+              <a:rPr lang="de-CH" dirty="0" smtClean="0"/>
+              <a:t>Random </a:t>
+            </a:r>
+            <a:r>
+              <a:rPr lang="de-CH" dirty="0" err="1" smtClean="0"/>
+              <a:t>facts</a:t>
+            </a:r>
+            <a:endParaRPr lang="de-CH" dirty="0" smtClean="0"/>
+          </a:p>
+          <a:p>
+            <a:endParaRPr lang="de-CH" dirty="0"/>
+          </a:p>
+          <a:p>
+            <a:r>
+              <a:rPr lang="de-CH" dirty="0" smtClean="0"/>
+              <a:t>See all </a:t>
+            </a:r>
+            <a:r>
+              <a:rPr lang="de-CH" dirty="0" err="1" smtClean="0"/>
+              <a:t>facts</a:t>
+            </a:r>
+            <a:endParaRPr lang="de-CH" dirty="0"/>
+          </a:p>
+        </p:txBody>
+      </p:sp>
+    </p:spTree>
+    <p:extLst>
+      <p:ext uri="{BB962C8B-B14F-4D97-AF65-F5344CB8AC3E}">
+        <p14:creationId xmlns:p14="http://schemas.microsoft.com/office/powerpoint/2010/main" val="4276858971"/>
+      </p:ext>
+    </p:extLst>
+  </p:cSld>
+  <p:clrMapOvr>
+    <a:masterClrMapping/>
+  </p:clrMapOvr>
+</p:sld>
+</file>
+
+<file path=ppt/slides/slide4.xml><?xml version="1.0" encoding="utf-8"?>
+<p:sld xmlns:a="http://schemas.openxmlformats.org/drawingml/2006/main" xmlns:r="http://schemas.openxmlformats.org/officeDocument/2006/relationships" xmlns:p="http://schemas.openxmlformats.org/presentationml/2006/main">
+  <p:cSld>
+    <p:spTree>
+      <p:nvGrpSpPr>
+        <p:cNvPr id="1" name=""/>
+        <p:cNvGrpSpPr/>
+        <p:nvPr/>
+      </p:nvGrpSpPr>
+      <p:grpSpPr>
+        <a:xfrm>
+          <a:off x="0" y="0"/>
+          <a:ext cx="0" cy="0"/>
+          <a:chOff x="0" y="0"/>
+          <a:chExt cx="0" cy="0"/>
+        </a:xfrm>
+      </p:grpSpPr>
+      <p:sp>
+        <p:nvSpPr>
+          <p:cNvPr id="2" name="Titel 1"/>
+          <p:cNvSpPr>
+            <a:spLocks noGrp="1"/>
+          </p:cNvSpPr>
+          <p:nvPr>
+            <p:ph type="title"/>
+          </p:nvPr>
+        </p:nvSpPr>
+        <p:spPr/>
+        <p:txBody>
+          <a:bodyPr/>
+          <a:lstStyle/>
+          <a:p>
+            <a:r>
+              <a:rPr lang="de-CH" dirty="0" smtClean="0"/>
+              <a:t>Technische Anforderungen</a:t>
+            </a:r>
+            <a:endParaRPr lang="de-CH" dirty="0"/>
+          </a:p>
+        </p:txBody>
+      </p:sp>
+      <p:sp>
+        <p:nvSpPr>
+          <p:cNvPr id="3" name="Inhaltsplatzhalter 2"/>
+          <p:cNvSpPr>
+            <a:spLocks noGrp="1"/>
+          </p:cNvSpPr>
+          <p:nvPr>
+            <p:ph idx="1"/>
+          </p:nvPr>
+        </p:nvSpPr>
+        <p:spPr/>
+        <p:txBody>
           <a:bodyPr>
-            <a:normAutofit lnSpcReduction="10000"/>
+            <a:normAutofit fontScale="62500" lnSpcReduction="20000"/>
           </a:bodyPr>
           <a:lstStyle/>
           <a:p>
             <a:r>
               <a:rPr lang="de-CH" dirty="0" smtClean="0"/>
               <a:t>Kommunikation über HTTP</a:t>
+            </a:r>
+          </a:p>
+          <a:p>
+            <a:pPr lvl="1"/>
+            <a:r>
+              <a:rPr lang="de-CH" dirty="0" smtClean="0"/>
+              <a:t>Fact </a:t>
+            </a:r>
+            <a:r>
+              <a:rPr lang="de-CH" dirty="0" err="1" smtClean="0"/>
+              <a:t>of</a:t>
+            </a:r>
+            <a:r>
+              <a:rPr lang="de-CH" dirty="0" smtClean="0"/>
+              <a:t> </a:t>
+            </a:r>
+            <a:r>
+              <a:rPr lang="de-CH" dirty="0" err="1" smtClean="0"/>
+              <a:t>the</a:t>
+            </a:r>
+            <a:r>
+              <a:rPr lang="de-CH" dirty="0" smtClean="0"/>
+              <a:t> </a:t>
+            </a:r>
+            <a:r>
+              <a:rPr lang="de-CH" dirty="0" err="1" smtClean="0"/>
+              <a:t>day</a:t>
+            </a:r>
+            <a:endParaRPr lang="de-CH" dirty="0" smtClean="0"/>
+          </a:p>
+          <a:p>
+            <a:pPr lvl="1"/>
+            <a:r>
+              <a:rPr lang="de-CH" dirty="0" smtClean="0"/>
+              <a:t>Random Joke</a:t>
+            </a:r>
+          </a:p>
+          <a:p>
+            <a:pPr lvl="1"/>
+            <a:r>
+              <a:rPr lang="de-CH" dirty="0" smtClean="0"/>
+              <a:t>All Jokes</a:t>
             </a:r>
             <a:br>
               <a:rPr lang="de-CH" dirty="0" smtClean="0"/>
@@ -3370,6 +3508,17 @@
               <a:rPr lang="de-CH" dirty="0" smtClean="0"/>
               <a:t>Verwendung eines Container-View-Controllers</a:t>
             </a:r>
+          </a:p>
+          <a:p>
+            <a:pPr lvl="1"/>
+            <a:r>
+              <a:rPr lang="de-CH" dirty="0" err="1" smtClean="0"/>
+              <a:t>GUI’s</a:t>
+            </a:r>
+            <a:r>
+              <a:rPr lang="de-CH" dirty="0" smtClean="0"/>
+              <a:t/>
+            </a:r>
             <a:br>
               <a:rPr lang="de-CH" dirty="0" smtClean="0"/>
             </a:br>
@@ -3384,9 +3533,13 @@
               <a:rPr lang="de-CH" dirty="0" err="1" smtClean="0"/>
               <a:t>Unittests</a:t>
             </a:r>
+            <a:endParaRPr lang="de-CH" dirty="0" smtClean="0"/>
+          </a:p>
+          <a:p>
+            <a:pPr lvl="1"/>
             <a:r>
               <a:rPr lang="de-CH" dirty="0" smtClean="0"/>
-              <a:t/>
+              <a:t>Diverse Methoden</a:t>
             </a:r>
             <a:br>
               <a:rPr lang="de-CH" dirty="0" smtClean="0"/>
@@ -3398,6 +3551,13 @@
               <a:rPr lang="de-CH" dirty="0" smtClean="0"/>
               <a:t>Verwendung von Nebenläufigkeit</a:t>
             </a:r>
+          </a:p>
+          <a:p>
+            <a:pPr lvl="1"/>
+            <a:r>
+              <a:rPr lang="de-CH" dirty="0" smtClean="0"/>
+              <a:t>Sämtliche Online-Kommunikation</a:t>
+            </a:r>
             <a:r>
               <a:rPr lang="de-CH" dirty="0"/>
               <a:t/>
@@ -3418,38 +3578,19 @@
             </a:r>
             <a:endParaRPr lang="de-CH" dirty="0"/>
           </a:p>
-        </p:txBody>
-      </p:sp>
-      <p:pic>
-        <p:nvPicPr>
-          <p:cNvPr id="4" name="Grafik 3"/>
-          <p:cNvPicPr>
-            <a:picLocks noChangeAspect="1"/>
-          </p:cNvPicPr>
-          <p:nvPr/>
-        </p:nvPicPr>
-        <p:blipFill>
-          <a:blip r:embed="rId2">
-            <a:extLst>
-              <a:ext uri="{28A0092B-C50C-407E-A947-70E740481C1C}">
-                <a14:useLocalDpi xmlns:a14="http://schemas.microsoft.com/office/drawing/2010/main" val="0"/>
-              </a:ext>
-            </a:extLst>
-          </a:blip>
-          <a:stretch>
-            <a:fillRect/>
-          </a:stretch>
-        </p:blipFill>
-        <p:spPr>
-          <a:xfrm>
-            <a:off x="7195960" y="5379720"/>
-            <a:ext cx="1973580" cy="1478280"/>
-          </a:xfrm>
-          <a:prstGeom prst="rect">
-            <a:avLst/>
-          </a:prstGeom>
-        </p:spPr>
-      </p:pic>
+          <a:p>
+            <a:pPr lvl="1"/>
+            <a:r>
+              <a:rPr lang="de-CH" dirty="0" smtClean="0"/>
+              <a:t>HTTP Kommunikation </a:t>
+            </a:r>
+          </a:p>
+          <a:p>
+            <a:pPr lvl="1"/>
+            <a:endParaRPr lang="de-CH" dirty="0" smtClean="0"/>
+          </a:p>
+        </p:txBody>
+      </p:sp>
     </p:spTree>
     <p:extLst>
       <p:ext uri="{BB962C8B-B14F-4D97-AF65-F5344CB8AC3E}">
@@ -3470,7 +3611,7 @@
 </p:sld>
 </file>
 
-<file path=ppt/slides/slide4.xml><?xml version="1.0" encoding="utf-8"?>
+<file path=ppt/slides/slide5.xml><?xml version="1.0" encoding="utf-8"?>
 <p:sld xmlns:a="http://schemas.openxmlformats.org/drawingml/2006/main" xmlns:r="http://schemas.openxmlformats.org/officeDocument/2006/relationships" xmlns:p="http://schemas.openxmlformats.org/presentationml/2006/main">
   <p:cSld>
     <p:spTree>
@@ -3556,6 +3697,108 @@
       </p:par>
     </p:tnLst>
   </p:timing>
+</p:sld>
+</file>
+
+<file path=ppt/slides/slide6.xml><?xml version="1.0" encoding="utf-8"?>
+<p:sld xmlns:a="http://schemas.openxmlformats.org/drawingml/2006/main" xmlns:r="http://schemas.openxmlformats.org/officeDocument/2006/relationships" xmlns:p="http://schemas.openxmlformats.org/presentationml/2006/main">
+  <p:cSld>
+    <p:spTree>
+      <p:nvGrpSpPr>
+        <p:cNvPr id="1" name=""/>
+        <p:cNvGrpSpPr/>
+        <p:nvPr/>
+      </p:nvGrpSpPr>
+      <p:grpSpPr>
+        <a:xfrm>
+          <a:off x="0" y="0"/>
+          <a:ext cx="0" cy="0"/>
+          <a:chOff x="0" y="0"/>
+          <a:chExt cx="0" cy="0"/>
+        </a:xfrm>
+      </p:grpSpPr>
+      <p:sp>
+        <p:nvSpPr>
+          <p:cNvPr id="2" name="Titel 1"/>
+          <p:cNvSpPr>
+            <a:spLocks noGrp="1"/>
+          </p:cNvSpPr>
+          <p:nvPr>
+            <p:ph type="title"/>
+          </p:nvPr>
+        </p:nvSpPr>
+        <p:spPr/>
+        <p:txBody>
+          <a:bodyPr/>
+          <a:lstStyle/>
+          <a:p>
+            <a:r>
+              <a:rPr lang="de-CH" dirty="0" smtClean="0"/>
+              <a:t>Fazit</a:t>
+            </a:r>
+            <a:endParaRPr lang="de-CH" dirty="0"/>
+          </a:p>
+        </p:txBody>
+      </p:sp>
+      <p:sp>
+        <p:nvSpPr>
+          <p:cNvPr id="3" name="Inhaltsplatzhalter 2"/>
+          <p:cNvSpPr>
+            <a:spLocks noGrp="1"/>
+          </p:cNvSpPr>
+          <p:nvPr>
+            <p:ph idx="1"/>
+          </p:nvPr>
+        </p:nvSpPr>
+        <p:spPr/>
+        <p:txBody>
+          <a:bodyPr/>
+          <a:lstStyle/>
+          <a:p>
+            <a:r>
+              <a:rPr lang="de-CH" dirty="0" err="1" smtClean="0"/>
+              <a:t>Restkit</a:t>
+            </a:r>
+            <a:r>
+              <a:rPr lang="de-CH" dirty="0" smtClean="0"/>
+              <a:t> tolles und einfaches Framework für HTTP Kommunikation</a:t>
+            </a:r>
+          </a:p>
+          <a:p>
+            <a:endParaRPr lang="de-CH" dirty="0"/>
+          </a:p>
+          <a:p>
+            <a:r>
+              <a:rPr lang="de-CH" dirty="0" smtClean="0"/>
+              <a:t>Container-View-Controller ist gewöhnungsbedürftig</a:t>
+            </a:r>
+            <a:endParaRPr lang="de-CH" dirty="0"/>
+          </a:p>
+          <a:p>
+            <a:pPr marL="0" indent="0">
+              <a:buNone/>
+            </a:pPr>
+            <a:endParaRPr lang="de-CH" dirty="0" smtClean="0"/>
+          </a:p>
+          <a:p>
+            <a:r>
+              <a:rPr lang="de-CH" dirty="0" smtClean="0"/>
+              <a:t>Technische Details</a:t>
+            </a:r>
+            <a:endParaRPr lang="de-CH" dirty="0" smtClean="0"/>
+          </a:p>
+        </p:txBody>
+      </p:sp>
+    </p:spTree>
+    <p:extLst>
+      <p:ext uri="{BB962C8B-B14F-4D97-AF65-F5344CB8AC3E}">
+        <p14:creationId xmlns:p14="http://schemas.microsoft.com/office/powerpoint/2010/main" val="827715585"/>
+      </p:ext>
+    </p:extLst>
+  </p:cSld>
+  <p:clrMapOvr>
+    <a:masterClrMapping/>
+  </p:clrMapOvr>
 </p:sld>
 </file>
 

--- a/Presentation_ChuckNorrisFacts.pptx
+++ b/Presentation_ChuckNorrisFacts.pptx
@@ -3372,7 +3372,7 @@
           <a:p>
             <a:r>
               <a:rPr lang="de-CH" dirty="0" smtClean="0"/>
-              <a:t>See all </a:t>
+              <a:t>List all </a:t>
             </a:r>
             <a:r>
               <a:rPr lang="de-CH" dirty="0" err="1" smtClean="0"/>
@@ -3448,7 +3448,7 @@
         <p:spPr/>
         <p:txBody>
           <a:bodyPr>
-            <a:normAutofit fontScale="62500" lnSpcReduction="20000"/>
+            <a:normAutofit fontScale="70000" lnSpcReduction="20000"/>
           </a:bodyPr>
           <a:lstStyle/>
           <a:p>
@@ -3461,7 +3461,62 @@
             <a:pPr lvl="1"/>
             <a:r>
               <a:rPr lang="de-CH" dirty="0" smtClean="0"/>
-              <a:t>Fact </a:t>
+              <a:t>Abrufen aller Facts</a:t>
+            </a:r>
+            <a:r>
+              <a:rPr lang="de-CH" dirty="0" smtClean="0"/>
+              <a:t/>
+            </a:r>
+            <a:br>
+              <a:rPr lang="de-CH" dirty="0" smtClean="0"/>
+            </a:br>
+            <a:endParaRPr lang="de-CH" dirty="0" smtClean="0"/>
+          </a:p>
+          <a:p>
+            <a:r>
+              <a:rPr lang="de-CH" dirty="0" smtClean="0"/>
+              <a:t>Verwendung eines Container-View-Controllers</a:t>
+            </a:r>
+          </a:p>
+          <a:p>
+            <a:pPr lvl="1"/>
+            <a:r>
+              <a:rPr lang="de-CH" dirty="0" err="1" smtClean="0"/>
+              <a:t>GUI’s</a:t>
+            </a:r>
+            <a:r>
+              <a:rPr lang="de-CH" dirty="0" smtClean="0"/>
+              <a:t/>
+            </a:r>
+            <a:br>
+              <a:rPr lang="de-CH" dirty="0" smtClean="0"/>
+            </a:br>
+            <a:endParaRPr lang="de-CH" dirty="0" smtClean="0"/>
+          </a:p>
+          <a:p>
+            <a:r>
+              <a:rPr lang="de-CH" dirty="0" smtClean="0"/>
+              <a:t>Verwendung von </a:t>
+            </a:r>
+            <a:r>
+              <a:rPr lang="de-CH" dirty="0" err="1" smtClean="0"/>
+              <a:t>Unittests</a:t>
+            </a:r>
+            <a:endParaRPr lang="de-CH" dirty="0" smtClean="0"/>
+          </a:p>
+          <a:p>
+            <a:pPr lvl="1"/>
+            <a:r>
+              <a:rPr lang="de-CH" dirty="0" smtClean="0"/>
+              <a:t>Testen des </a:t>
+            </a:r>
+            <a:r>
+              <a:rPr lang="de-CH" dirty="0" err="1" smtClean="0"/>
+              <a:t>DataProvider</a:t>
+            </a:r>
+            <a:r>
+              <a:rPr lang="de-CH" dirty="0" smtClean="0"/>
+              <a:t> (Random + Fact </a:t>
             </a:r>
             <a:r>
               <a:rPr lang="de-CH" dirty="0" err="1" smtClean="0"/>
@@ -3477,69 +3532,11 @@
             </a:r>
             <a:r>
               <a:rPr lang="de-CH" dirty="0" smtClean="0"/>
-              <a:t> </a:t>
-            </a:r>
-            <a:r>
-              <a:rPr lang="de-CH" dirty="0" err="1" smtClean="0"/>
-              <a:t>day</a:t>
-            </a:r>
-            <a:endParaRPr lang="de-CH" dirty="0" smtClean="0"/>
-          </a:p>
-          <a:p>
-            <a:pPr lvl="1"/>
-            <a:r>
-              <a:rPr lang="de-CH" dirty="0" smtClean="0"/>
-              <a:t>Random Joke</a:t>
-            </a:r>
-          </a:p>
-          <a:p>
-            <a:pPr lvl="1"/>
-            <a:r>
-              <a:rPr lang="de-CH" dirty="0" smtClean="0"/>
-              <a:t>All Jokes</a:t>
-            </a:r>
-            <a:br>
-              <a:rPr lang="de-CH" dirty="0" smtClean="0"/>
-            </a:br>
-            <a:endParaRPr lang="de-CH" dirty="0" smtClean="0"/>
-          </a:p>
-          <a:p>
-            <a:r>
-              <a:rPr lang="de-CH" dirty="0" smtClean="0"/>
-              <a:t>Verwendung eines Container-View-Controllers</a:t>
-            </a:r>
-          </a:p>
-          <a:p>
-            <a:pPr lvl="1"/>
-            <a:r>
-              <a:rPr lang="de-CH" dirty="0" err="1" smtClean="0"/>
-              <a:t>GUI’s</a:t>
+              <a:t> Day)</a:t>
             </a:r>
             <a:r>
               <a:rPr lang="de-CH" dirty="0" smtClean="0"/>
               <a:t/>
-            </a:r>
-            <a:br>
-              <a:rPr lang="de-CH" dirty="0" smtClean="0"/>
-            </a:br>
-            <a:endParaRPr lang="de-CH" dirty="0" smtClean="0"/>
-          </a:p>
-          <a:p>
-            <a:r>
-              <a:rPr lang="de-CH" dirty="0" smtClean="0"/>
-              <a:t>Verwendung von </a:t>
-            </a:r>
-            <a:r>
-              <a:rPr lang="de-CH" dirty="0" err="1" smtClean="0"/>
-              <a:t>Unittests</a:t>
-            </a:r>
-            <a:endParaRPr lang="de-CH" dirty="0" smtClean="0"/>
-          </a:p>
-          <a:p>
-            <a:pPr lvl="1"/>
-            <a:r>
-              <a:rPr lang="de-CH" dirty="0" smtClean="0"/>
-              <a:t>Diverse Methoden</a:t>
             </a:r>
             <a:br>
               <a:rPr lang="de-CH" dirty="0" smtClean="0"/>
@@ -3752,17 +3749,37 @@
         </p:nvSpPr>
         <p:spPr/>
         <p:txBody>
-          <a:bodyPr/>
+          <a:bodyPr>
+            <a:normAutofit fontScale="92500" lnSpcReduction="20000"/>
+          </a:bodyPr>
           <a:lstStyle/>
           <a:p>
             <a:r>
               <a:rPr lang="de-CH" dirty="0" err="1" smtClean="0"/>
-              <a:t>Restkit</a:t>
-            </a:r>
-            <a:r>
-              <a:rPr lang="de-CH" dirty="0" smtClean="0"/>
-              <a:t> tolles und einfaches Framework für HTTP Kommunikation</a:t>
-            </a:r>
+              <a:t>RestKit</a:t>
+            </a:r>
+            <a:r>
+              <a:rPr lang="de-CH" dirty="0" smtClean="0"/>
+              <a:t> </a:t>
+            </a:r>
+            <a:r>
+              <a:rPr lang="de-CH" dirty="0" smtClean="0"/>
+              <a:t>tolles und einfaches Framework für HTTP Kommunikation</a:t>
+            </a:r>
+          </a:p>
+          <a:p>
+            <a:endParaRPr lang="de-CH" dirty="0" smtClean="0"/>
+          </a:p>
+          <a:p>
+            <a:r>
+              <a:rPr lang="de-CH" dirty="0" err="1" smtClean="0"/>
+              <a:t>RestKit</a:t>
+            </a:r>
+            <a:r>
+              <a:rPr lang="de-CH" dirty="0" smtClean="0"/>
+              <a:t> + Core Data Integration hat nicht wie erwartet funktioniert</a:t>
+            </a:r>
+            <a:endParaRPr lang="de-CH" dirty="0"/>
           </a:p>
           <a:p>
             <a:endParaRPr lang="de-CH" dirty="0"/>
@@ -3783,9 +3800,12 @@
           <a:p>
             <a:r>
               <a:rPr lang="de-CH" dirty="0" smtClean="0"/>
-              <a:t>Technische Details</a:t>
-            </a:r>
-            <a:endParaRPr lang="de-CH" dirty="0" smtClean="0"/>
+              <a:t>Technische </a:t>
+            </a:r>
+            <a:r>
+              <a:rPr lang="de-CH" dirty="0" smtClean="0"/>
+              <a:t>Details</a:t>
+            </a:r>
           </a:p>
         </p:txBody>
       </p:sp>
